--- a/RDFsim/presentationStaff/RDFsim.pptx
+++ b/RDFsim/presentationStaff/RDFsim.pptx
@@ -4,6 +4,9 @@
   <p:sldMasterIdLst>
     <p:sldMasterId id="2147483648" r:id="rId1"/>
   </p:sldMasterIdLst>
+  <p:notesMasterIdLst>
+    <p:notesMasterId r:id="rId11"/>
+  </p:notesMasterIdLst>
   <p:sldIdLst>
     <p:sldId id="256" r:id="rId2"/>
     <p:sldId id="257" r:id="rId3"/>
@@ -118,6 +121,440 @@
     </p:ext>
   </p:extLst>
 </p:presentation>
+</file>
+
+<file path=ppt/notesMasters/notesMaster1.xml><?xml version="1.0" encoding="utf-8"?>
+<p:notesMaster xmlns:a="http://schemas.openxmlformats.org/drawingml/2006/main" xmlns:r="http://schemas.openxmlformats.org/officeDocument/2006/relationships" xmlns:p="http://schemas.openxmlformats.org/presentationml/2006/main">
+  <p:cSld>
+    <p:bg>
+      <p:bgRef idx="1001">
+        <a:schemeClr val="bg1"/>
+      </p:bgRef>
+    </p:bg>
+    <p:spTree>
+      <p:nvGrpSpPr>
+        <p:cNvPr id="1" name=""/>
+        <p:cNvGrpSpPr/>
+        <p:nvPr/>
+      </p:nvGrpSpPr>
+      <p:grpSpPr>
+        <a:xfrm>
+          <a:off x="0" y="0"/>
+          <a:ext cx="0" cy="0"/>
+          <a:chOff x="0" y="0"/>
+          <a:chExt cx="0" cy="0"/>
+        </a:xfrm>
+      </p:grpSpPr>
+      <p:sp>
+        <p:nvSpPr>
+          <p:cNvPr id="2" name="Header Placeholder 1"/>
+          <p:cNvSpPr>
+            <a:spLocks noGrp="1"/>
+          </p:cNvSpPr>
+          <p:nvPr>
+            <p:ph type="hdr" sz="quarter"/>
+          </p:nvPr>
+        </p:nvSpPr>
+        <p:spPr>
+          <a:xfrm>
+            <a:off x="0" y="0"/>
+            <a:ext cx="2971800" cy="458788"/>
+          </a:xfrm>
+          <a:prstGeom prst="rect">
+            <a:avLst/>
+          </a:prstGeom>
+        </p:spPr>
+        <p:txBody>
+          <a:bodyPr vert="horz" lIns="91440" tIns="45720" rIns="91440" bIns="45720" rtlCol="0"/>
+          <a:lstStyle>
+            <a:lvl1pPr algn="l">
+              <a:defRPr sz="1200"/>
+            </a:lvl1pPr>
+          </a:lstStyle>
+          <a:p>
+            <a:endParaRPr lang="en-US"/>
+          </a:p>
+        </p:txBody>
+      </p:sp>
+      <p:sp>
+        <p:nvSpPr>
+          <p:cNvPr id="3" name="Date Placeholder 2"/>
+          <p:cNvSpPr>
+            <a:spLocks noGrp="1"/>
+          </p:cNvSpPr>
+          <p:nvPr>
+            <p:ph type="dt" idx="1"/>
+          </p:nvPr>
+        </p:nvSpPr>
+        <p:spPr>
+          <a:xfrm>
+            <a:off x="3884613" y="0"/>
+            <a:ext cx="2971800" cy="458788"/>
+          </a:xfrm>
+          <a:prstGeom prst="rect">
+            <a:avLst/>
+          </a:prstGeom>
+        </p:spPr>
+        <p:txBody>
+          <a:bodyPr vert="horz" lIns="91440" tIns="45720" rIns="91440" bIns="45720" rtlCol="0"/>
+          <a:lstStyle>
+            <a:lvl1pPr algn="r">
+              <a:defRPr sz="1200"/>
+            </a:lvl1pPr>
+          </a:lstStyle>
+          <a:p>
+            <a:fld id="{6232EF2E-3540-4F7B-AEE0-495F6B45563B}" type="datetimeFigureOut">
+              <a:rPr lang="en-US" smtClean="0"/>
+              <a:t>7/10/2021</a:t>
+            </a:fld>
+            <a:endParaRPr lang="en-US"/>
+          </a:p>
+        </p:txBody>
+      </p:sp>
+      <p:sp>
+        <p:nvSpPr>
+          <p:cNvPr id="4" name="Slide Image Placeholder 3"/>
+          <p:cNvSpPr>
+            <a:spLocks noGrp="1" noRot="1" noChangeAspect="1"/>
+          </p:cNvSpPr>
+          <p:nvPr>
+            <p:ph type="sldImg" idx="2"/>
+          </p:nvPr>
+        </p:nvSpPr>
+        <p:spPr>
+          <a:xfrm>
+            <a:off x="685800" y="1143000"/>
+            <a:ext cx="5486400" cy="3086100"/>
+          </a:xfrm>
+          <a:prstGeom prst="rect">
+            <a:avLst/>
+          </a:prstGeom>
+          <a:noFill/>
+          <a:ln w="12700">
+            <a:solidFill>
+              <a:prstClr val="black"/>
+            </a:solidFill>
+          </a:ln>
+        </p:spPr>
+        <p:txBody>
+          <a:bodyPr vert="horz" lIns="91440" tIns="45720" rIns="91440" bIns="45720" rtlCol="0" anchor="ctr"/>
+          <a:lstStyle/>
+          <a:p>
+            <a:endParaRPr lang="en-US"/>
+          </a:p>
+        </p:txBody>
+      </p:sp>
+      <p:sp>
+        <p:nvSpPr>
+          <p:cNvPr id="5" name="Notes Placeholder 4"/>
+          <p:cNvSpPr>
+            <a:spLocks noGrp="1"/>
+          </p:cNvSpPr>
+          <p:nvPr>
+            <p:ph type="body" sz="quarter" idx="3"/>
+          </p:nvPr>
+        </p:nvSpPr>
+        <p:spPr>
+          <a:xfrm>
+            <a:off x="685800" y="4400550"/>
+            <a:ext cx="5486400" cy="3600450"/>
+          </a:xfrm>
+          <a:prstGeom prst="rect">
+            <a:avLst/>
+          </a:prstGeom>
+        </p:spPr>
+        <p:txBody>
+          <a:bodyPr vert="horz" lIns="91440" tIns="45720" rIns="91440" bIns="45720" rtlCol="0"/>
+          <a:lstStyle/>
+          <a:p>
+            <a:pPr lvl="0"/>
+            <a:r>
+              <a:rPr lang="en-US" smtClean="0"/>
+              <a:t>Edit Master text styles</a:t>
+            </a:r>
+          </a:p>
+          <a:p>
+            <a:pPr lvl="1"/>
+            <a:r>
+              <a:rPr lang="en-US" smtClean="0"/>
+              <a:t>Second level</a:t>
+            </a:r>
+          </a:p>
+          <a:p>
+            <a:pPr lvl="2"/>
+            <a:r>
+              <a:rPr lang="en-US" smtClean="0"/>
+              <a:t>Third level</a:t>
+            </a:r>
+          </a:p>
+          <a:p>
+            <a:pPr lvl="3"/>
+            <a:r>
+              <a:rPr lang="en-US" smtClean="0"/>
+              <a:t>Fourth level</a:t>
+            </a:r>
+          </a:p>
+          <a:p>
+            <a:pPr lvl="4"/>
+            <a:r>
+              <a:rPr lang="en-US" smtClean="0"/>
+              <a:t>Fifth level</a:t>
+            </a:r>
+            <a:endParaRPr lang="en-US"/>
+          </a:p>
+        </p:txBody>
+      </p:sp>
+      <p:sp>
+        <p:nvSpPr>
+          <p:cNvPr id="6" name="Footer Placeholder 5"/>
+          <p:cNvSpPr>
+            <a:spLocks noGrp="1"/>
+          </p:cNvSpPr>
+          <p:nvPr>
+            <p:ph type="ftr" sz="quarter" idx="4"/>
+          </p:nvPr>
+        </p:nvSpPr>
+        <p:spPr>
+          <a:xfrm>
+            <a:off x="0" y="8685213"/>
+            <a:ext cx="2971800" cy="458787"/>
+          </a:xfrm>
+          <a:prstGeom prst="rect">
+            <a:avLst/>
+          </a:prstGeom>
+        </p:spPr>
+        <p:txBody>
+          <a:bodyPr vert="horz" lIns="91440" tIns="45720" rIns="91440" bIns="45720" rtlCol="0" anchor="b"/>
+          <a:lstStyle>
+            <a:lvl1pPr algn="l">
+              <a:defRPr sz="1200"/>
+            </a:lvl1pPr>
+          </a:lstStyle>
+          <a:p>
+            <a:endParaRPr lang="en-US"/>
+          </a:p>
+        </p:txBody>
+      </p:sp>
+      <p:sp>
+        <p:nvSpPr>
+          <p:cNvPr id="7" name="Slide Number Placeholder 6"/>
+          <p:cNvSpPr>
+            <a:spLocks noGrp="1"/>
+          </p:cNvSpPr>
+          <p:nvPr>
+            <p:ph type="sldNum" sz="quarter" idx="5"/>
+          </p:nvPr>
+        </p:nvSpPr>
+        <p:spPr>
+          <a:xfrm>
+            <a:off x="3884613" y="8685213"/>
+            <a:ext cx="2971800" cy="458787"/>
+          </a:xfrm>
+          <a:prstGeom prst="rect">
+            <a:avLst/>
+          </a:prstGeom>
+        </p:spPr>
+        <p:txBody>
+          <a:bodyPr vert="horz" lIns="91440" tIns="45720" rIns="91440" bIns="45720" rtlCol="0" anchor="b"/>
+          <a:lstStyle>
+            <a:lvl1pPr algn="r">
+              <a:defRPr sz="1200"/>
+            </a:lvl1pPr>
+          </a:lstStyle>
+          <a:p>
+            <a:fld id="{348650A9-7DB6-45F0-8F6C-BE8975B6B1BC}" type="slidenum">
+              <a:rPr lang="en-US" smtClean="0"/>
+              <a:t>‹#›</a:t>
+            </a:fld>
+            <a:endParaRPr lang="en-US"/>
+          </a:p>
+        </p:txBody>
+      </p:sp>
+    </p:spTree>
+    <p:extLst>
+      <p:ext uri="{BB962C8B-B14F-4D97-AF65-F5344CB8AC3E}">
+        <p14:creationId xmlns:p14="http://schemas.microsoft.com/office/powerpoint/2010/main" val="505891060"/>
+      </p:ext>
+    </p:extLst>
+  </p:cSld>
+  <p:clrMap bg1="lt1" tx1="dk1" bg2="lt2" tx2="dk2" accent1="accent1" accent2="accent2" accent3="accent3" accent4="accent4" accent5="accent5" accent6="accent6" hlink="hlink" folHlink="folHlink"/>
+  <p:notesStyle>
+    <a:lvl1pPr marL="0" algn="l" defTabSz="914400" rtl="0" eaLnBrk="1" latinLnBrk="0" hangingPunct="1">
+      <a:defRPr sz="1200" kern="1200">
+        <a:solidFill>
+          <a:schemeClr val="tx1"/>
+        </a:solidFill>
+        <a:latin typeface="+mn-lt"/>
+        <a:ea typeface="+mn-ea"/>
+        <a:cs typeface="+mn-cs"/>
+      </a:defRPr>
+    </a:lvl1pPr>
+    <a:lvl2pPr marL="457200" algn="l" defTabSz="914400" rtl="0" eaLnBrk="1" latinLnBrk="0" hangingPunct="1">
+      <a:defRPr sz="1200" kern="1200">
+        <a:solidFill>
+          <a:schemeClr val="tx1"/>
+        </a:solidFill>
+        <a:latin typeface="+mn-lt"/>
+        <a:ea typeface="+mn-ea"/>
+        <a:cs typeface="+mn-cs"/>
+      </a:defRPr>
+    </a:lvl2pPr>
+    <a:lvl3pPr marL="914400" algn="l" defTabSz="914400" rtl="0" eaLnBrk="1" latinLnBrk="0" hangingPunct="1">
+      <a:defRPr sz="1200" kern="1200">
+        <a:solidFill>
+          <a:schemeClr val="tx1"/>
+        </a:solidFill>
+        <a:latin typeface="+mn-lt"/>
+        <a:ea typeface="+mn-ea"/>
+        <a:cs typeface="+mn-cs"/>
+      </a:defRPr>
+    </a:lvl3pPr>
+    <a:lvl4pPr marL="1371600" algn="l" defTabSz="914400" rtl="0" eaLnBrk="1" latinLnBrk="0" hangingPunct="1">
+      <a:defRPr sz="1200" kern="1200">
+        <a:solidFill>
+          <a:schemeClr val="tx1"/>
+        </a:solidFill>
+        <a:latin typeface="+mn-lt"/>
+        <a:ea typeface="+mn-ea"/>
+        <a:cs typeface="+mn-cs"/>
+      </a:defRPr>
+    </a:lvl4pPr>
+    <a:lvl5pPr marL="1828800" algn="l" defTabSz="914400" rtl="0" eaLnBrk="1" latinLnBrk="0" hangingPunct="1">
+      <a:defRPr sz="1200" kern="1200">
+        <a:solidFill>
+          <a:schemeClr val="tx1"/>
+        </a:solidFill>
+        <a:latin typeface="+mn-lt"/>
+        <a:ea typeface="+mn-ea"/>
+        <a:cs typeface="+mn-cs"/>
+      </a:defRPr>
+    </a:lvl5pPr>
+    <a:lvl6pPr marL="2286000" algn="l" defTabSz="914400" rtl="0" eaLnBrk="1" latinLnBrk="0" hangingPunct="1">
+      <a:defRPr sz="1200" kern="1200">
+        <a:solidFill>
+          <a:schemeClr val="tx1"/>
+        </a:solidFill>
+        <a:latin typeface="+mn-lt"/>
+        <a:ea typeface="+mn-ea"/>
+        <a:cs typeface="+mn-cs"/>
+      </a:defRPr>
+    </a:lvl6pPr>
+    <a:lvl7pPr marL="2743200" algn="l" defTabSz="914400" rtl="0" eaLnBrk="1" latinLnBrk="0" hangingPunct="1">
+      <a:defRPr sz="1200" kern="1200">
+        <a:solidFill>
+          <a:schemeClr val="tx1"/>
+        </a:solidFill>
+        <a:latin typeface="+mn-lt"/>
+        <a:ea typeface="+mn-ea"/>
+        <a:cs typeface="+mn-cs"/>
+      </a:defRPr>
+    </a:lvl7pPr>
+    <a:lvl8pPr marL="3200400" algn="l" defTabSz="914400" rtl="0" eaLnBrk="1" latinLnBrk="0" hangingPunct="1">
+      <a:defRPr sz="1200" kern="1200">
+        <a:solidFill>
+          <a:schemeClr val="tx1"/>
+        </a:solidFill>
+        <a:latin typeface="+mn-lt"/>
+        <a:ea typeface="+mn-ea"/>
+        <a:cs typeface="+mn-cs"/>
+      </a:defRPr>
+    </a:lvl8pPr>
+    <a:lvl9pPr marL="3657600" algn="l" defTabSz="914400" rtl="0" eaLnBrk="1" latinLnBrk="0" hangingPunct="1">
+      <a:defRPr sz="1200" kern="1200">
+        <a:solidFill>
+          <a:schemeClr val="tx1"/>
+        </a:solidFill>
+        <a:latin typeface="+mn-lt"/>
+        <a:ea typeface="+mn-ea"/>
+        <a:cs typeface="+mn-cs"/>
+      </a:defRPr>
+    </a:lvl9pPr>
+  </p:notesStyle>
+</p:notesMaster>
+</file>
+
+<file path=ppt/notesSlides/notesSlide1.xml><?xml version="1.0" encoding="utf-8"?>
+<p:notes xmlns:a="http://schemas.openxmlformats.org/drawingml/2006/main" xmlns:r="http://schemas.openxmlformats.org/officeDocument/2006/relationships" xmlns:p="http://schemas.openxmlformats.org/presentationml/2006/main">
+  <p:cSld>
+    <p:spTree>
+      <p:nvGrpSpPr>
+        <p:cNvPr id="1" name=""/>
+        <p:cNvGrpSpPr/>
+        <p:nvPr/>
+      </p:nvGrpSpPr>
+      <p:grpSpPr>
+        <a:xfrm>
+          <a:off x="0" y="0"/>
+          <a:ext cx="0" cy="0"/>
+          <a:chOff x="0" y="0"/>
+          <a:chExt cx="0" cy="0"/>
+        </a:xfrm>
+      </p:grpSpPr>
+      <p:sp>
+        <p:nvSpPr>
+          <p:cNvPr id="2" name="Slide Image Placeholder 1"/>
+          <p:cNvSpPr>
+            <a:spLocks noGrp="1" noRot="1" noChangeAspect="1"/>
+          </p:cNvSpPr>
+          <p:nvPr>
+            <p:ph type="sldImg"/>
+          </p:nvPr>
+        </p:nvSpPr>
+        <p:spPr/>
+      </p:sp>
+      <p:sp>
+        <p:nvSpPr>
+          <p:cNvPr id="3" name="Notes Placeholder 2"/>
+          <p:cNvSpPr>
+            <a:spLocks noGrp="1"/>
+          </p:cNvSpPr>
+          <p:nvPr>
+            <p:ph type="body" idx="1"/>
+          </p:nvPr>
+        </p:nvSpPr>
+        <p:spPr/>
+        <p:txBody>
+          <a:bodyPr/>
+          <a:lstStyle/>
+          <a:p>
+            <a:endParaRPr lang="en-US" dirty="0"/>
+          </a:p>
+        </p:txBody>
+      </p:sp>
+      <p:sp>
+        <p:nvSpPr>
+          <p:cNvPr id="4" name="Slide Number Placeholder 3"/>
+          <p:cNvSpPr>
+            <a:spLocks noGrp="1"/>
+          </p:cNvSpPr>
+          <p:nvPr>
+            <p:ph type="sldNum" sz="quarter" idx="10"/>
+          </p:nvPr>
+        </p:nvSpPr>
+        <p:spPr/>
+        <p:txBody>
+          <a:bodyPr/>
+          <a:lstStyle/>
+          <a:p>
+            <a:fld id="{348650A9-7DB6-45F0-8F6C-BE8975B6B1BC}" type="slidenum">
+              <a:rPr lang="en-US" smtClean="0"/>
+              <a:t>9</a:t>
+            </a:fld>
+            <a:endParaRPr lang="en-US"/>
+          </a:p>
+        </p:txBody>
+      </p:sp>
+    </p:spTree>
+    <p:extLst>
+      <p:ext uri="{BB962C8B-B14F-4D97-AF65-F5344CB8AC3E}">
+        <p14:creationId xmlns:p14="http://schemas.microsoft.com/office/powerpoint/2010/main" val="876574409"/>
+      </p:ext>
+    </p:extLst>
+  </p:cSld>
+  <p:clrMapOvr>
+    <a:masterClrMapping/>
+  </p:clrMapOvr>
+</p:notes>
 </file>
 
 <file path=ppt/slideLayouts/slideLayout1.xml><?xml version="1.0" encoding="utf-8"?>
@@ -3059,7 +3496,7 @@
         </p:nvSpPr>
         <p:spPr>
           <a:xfrm>
-            <a:off x="669680" y="5469521"/>
+            <a:off x="731226" y="5508246"/>
             <a:ext cx="10588870" cy="369332"/>
           </a:xfrm>
           <a:prstGeom prst="rect">
@@ -3114,8 +3551,38 @@
         </p:blipFill>
         <p:spPr>
           <a:xfrm>
-            <a:off x="2947931" y="1804323"/>
-            <a:ext cx="6155461" cy="2624620"/>
+            <a:off x="3329143" y="1966867"/>
+            <a:ext cx="5393038" cy="2299531"/>
+          </a:xfrm>
+          <a:prstGeom prst="rect">
+            <a:avLst/>
+          </a:prstGeom>
+        </p:spPr>
+      </p:pic>
+      <p:pic>
+        <p:nvPicPr>
+          <p:cNvPr id="5" name="Picture 4"/>
+          <p:cNvPicPr>
+            <a:picLocks noChangeAspect="1"/>
+          </p:cNvPicPr>
+          <p:nvPr/>
+        </p:nvPicPr>
+        <p:blipFill>
+          <a:blip r:embed="rId3">
+            <a:extLst>
+              <a:ext uri="{28A0092B-C50C-407E-A947-70E740481C1C}">
+                <a14:useLocalDpi xmlns:a14="http://schemas.microsoft.com/office/drawing/2010/main" val="0"/>
+              </a:ext>
+            </a:extLst>
+          </a:blip>
+          <a:stretch>
+            <a:fillRect/>
+          </a:stretch>
+        </p:blipFill>
+        <p:spPr>
+          <a:xfrm>
+            <a:off x="5674497" y="6085797"/>
+            <a:ext cx="702329" cy="484607"/>
           </a:xfrm>
           <a:prstGeom prst="rect">
             <a:avLst/>
@@ -3194,8 +3661,8 @@
         </p:nvSpPr>
         <p:spPr>
           <a:xfrm>
-            <a:off x="838200" y="1690688"/>
-            <a:ext cx="10515600" cy="4718903"/>
+            <a:off x="838200" y="1514842"/>
+            <a:ext cx="10515600" cy="4824412"/>
           </a:xfrm>
         </p:spPr>
         <p:txBody>
@@ -3267,8 +3734,22 @@
           <a:p>
             <a:r>
               <a:rPr lang="en-US" sz="2400" dirty="0" smtClean="0"/>
-              <a:t>UI: Provides a very (very) basic user interface running on browser to host and test the above services</a:t>
-            </a:r>
+              <a:t>UI: Provides a very (very) basic user interface running on browser to host and test the above </a:t>
+            </a:r>
+            <a:r>
+              <a:rPr lang="en-US" sz="2400" dirty="0" smtClean="0"/>
+              <a:t>services</a:t>
+            </a:r>
+          </a:p>
+          <a:p>
+            <a:pPr marL="0" indent="0">
+              <a:buNone/>
+            </a:pPr>
+            <a:r>
+              <a:rPr lang="en-US" sz="2400" dirty="0" smtClean="0"/>
+              <a:t>Current Technologies: Java (Servlets, DL4J API), HTML/CSS, JavaScript (jQuery)</a:t>
+            </a:r>
+            <a:endParaRPr lang="en-US" sz="2400" dirty="0" smtClean="0"/>
           </a:p>
         </p:txBody>
       </p:sp>
@@ -4845,8 +5326,8 @@
         </p:nvSpPr>
         <p:spPr>
           <a:xfrm>
-            <a:off x="838199" y="1749671"/>
-            <a:ext cx="10515600" cy="2198076"/>
+            <a:off x="838200" y="1354017"/>
+            <a:ext cx="11198470" cy="2198076"/>
           </a:xfrm>
         </p:spPr>
         <p:txBody>
@@ -4859,7 +5340,7 @@
               <a:buNone/>
             </a:pPr>
             <a:r>
-              <a:rPr lang="en-US" sz="2000" dirty="0" smtClean="0">
+              <a:rPr lang="en-US" sz="1800" dirty="0" smtClean="0">
                 <a:solidFill>
                   <a:srgbClr val="FF0000"/>
                 </a:solidFill>
@@ -4867,8 +5348,32 @@
               <a:t>Is it useful to create a graph with starting node the given entity and add the K similar as neighbor nodes and proceed to a given depth using a BFS-like traversal of the dataset? </a:t>
             </a:r>
             <a:r>
-              <a:rPr lang="en-US" sz="2000" dirty="0" smtClean="0"/>
-              <a:t>(Undirected weighted graph)</a:t>
+              <a:rPr lang="en-US" sz="1800" dirty="0" smtClean="0"/>
+              <a:t>(Undirected weighted </a:t>
+            </a:r>
+            <a:r>
+              <a:rPr lang="en-US" sz="1800" dirty="0" smtClean="0"/>
+              <a:t>graph)</a:t>
+            </a:r>
+            <a:r>
+              <a:rPr lang="el-GR" sz="1800" dirty="0" smtClean="0"/>
+              <a:t> </a:t>
+            </a:r>
+            <a:r>
+              <a:rPr lang="en-US" sz="1800" dirty="0" smtClean="0"/>
+              <a:t>Nodes</a:t>
+            </a:r>
+            <a:r>
+              <a:rPr lang="en-US" sz="1800" dirty="0" smtClean="0"/>
+              <a:t>:=Entities Edges:=Weight</a:t>
+            </a:r>
+            <a:r>
+              <a:rPr lang="el-GR" sz="1800" dirty="0" smtClean="0"/>
+              <a:t> -&gt;</a:t>
+            </a:r>
+            <a:r>
+              <a:rPr lang="en-US" sz="1800" dirty="0" smtClean="0"/>
+              <a:t>Cosine similarity</a:t>
             </a:r>
           </a:p>
           <a:p>
@@ -4876,35 +5381,40 @@
               <a:buNone/>
             </a:pPr>
             <a:r>
-              <a:rPr lang="en-US" sz="2000" dirty="0" smtClean="0"/>
-              <a:t>Nodes:=Entities Edges:=Weight</a:t>
-            </a:r>
-            <a:r>
-              <a:rPr lang="el-GR" sz="2000" dirty="0" smtClean="0"/>
-              <a:t> -&gt;</a:t>
-            </a:r>
-            <a:r>
-              <a:rPr lang="en-US" sz="2000" dirty="0" smtClean="0"/>
-              <a:t>Cosine similarity</a:t>
-            </a:r>
+              <a:rPr lang="en-US" sz="1800" dirty="0" smtClean="0"/>
+              <a:t>Pros: Provides a fast view about the similarity set of a small part of the </a:t>
+            </a:r>
+            <a:r>
+              <a:rPr lang="en-US" sz="1800" dirty="0" smtClean="0"/>
+              <a:t>dataset</a:t>
+            </a:r>
+            <a:r>
+              <a:rPr lang="el-GR" sz="1800" dirty="0"/>
+              <a:t>.</a:t>
+            </a:r>
+            <a:r>
+              <a:rPr lang="en-US" sz="1800" dirty="0" smtClean="0"/>
+              <a:t>Cons</a:t>
+            </a:r>
+            <a:r>
+              <a:rPr lang="en-US" sz="1800" dirty="0" smtClean="0"/>
+              <a:t>: It’s not that informative as an RDF Graph (links are the cosine similarity, not </a:t>
+            </a:r>
+            <a:r>
+              <a:rPr lang="en-US" sz="1800" dirty="0" smtClean="0"/>
+              <a:t>predicates)</a:t>
+            </a:r>
+            <a:endParaRPr lang="el-GR" sz="1800" dirty="0" smtClean="0"/>
           </a:p>
           <a:p>
             <a:pPr marL="0" indent="0">
               <a:buNone/>
             </a:pPr>
             <a:r>
-              <a:rPr lang="en-US" sz="2000" dirty="0" smtClean="0"/>
-              <a:t>Pros: Provides a fast view about the similarity set of a small part of the dataset</a:t>
-            </a:r>
-          </a:p>
-          <a:p>
-            <a:pPr marL="0" indent="0">
-              <a:buNone/>
-            </a:pPr>
-            <a:r>
-              <a:rPr lang="en-US" sz="2000" dirty="0" smtClean="0"/>
-              <a:t>Cons: It’s not that informative as an RDF Graph (links are the cosine similarity, not predicates)</a:t>
-            </a:r>
+              <a:rPr lang="en-US" sz="1800" dirty="0" smtClean="0"/>
+              <a:t>Algorithm: Use a BFS-like algorithm to create the graph based on the levels (depth)</a:t>
+            </a:r>
+            <a:endParaRPr lang="en-US" sz="1800" dirty="0" smtClean="0"/>
           </a:p>
         </p:txBody>
       </p:sp>
@@ -4924,8 +5434,8 @@
         </p:blipFill>
         <p:spPr>
           <a:xfrm>
-            <a:off x="4369372" y="3947747"/>
-            <a:ext cx="3453255" cy="2813541"/>
+            <a:off x="4139509" y="3552093"/>
+            <a:ext cx="3912982" cy="3188104"/>
           </a:xfrm>
           <a:prstGeom prst="rect">
             <a:avLst/>
@@ -5002,13 +5512,13 @@
             <p:ph idx="1"/>
             <p:extLst>
               <p:ext uri="{D42A27DB-BD31-4B8C-83A1-F6EECF244321}">
-                <p14:modId xmlns:p14="http://schemas.microsoft.com/office/powerpoint/2010/main" val="2041005601"/>
+                <p14:modId xmlns:p14="http://schemas.microsoft.com/office/powerpoint/2010/main" val="1033188551"/>
               </p:ext>
             </p:extLst>
           </p:nvPr>
         </p:nvGraphicFramePr>
         <p:xfrm>
-          <a:off x="838200" y="2893866"/>
+          <a:off x="838200" y="3957735"/>
           <a:ext cx="10515600" cy="2404740"/>
         </p:xfrm>
         <a:graphic>
@@ -5372,7 +5882,7 @@
         </p:nvSpPr>
         <p:spPr>
           <a:xfrm>
-            <a:off x="924657" y="1304533"/>
+            <a:off x="924657" y="1849656"/>
             <a:ext cx="10342685" cy="1477328"/>
           </a:xfrm>
           <a:prstGeom prst="rect">
@@ -5407,7 +5917,11 @@
           <a:p>
             <a:r>
               <a:rPr lang="en-US" dirty="0" smtClean="0"/>
-              <a:t>The values are approximated</a:t>
+              <a:t>The values are </a:t>
+            </a:r>
+            <a:r>
+              <a:rPr lang="en-US" dirty="0" smtClean="0"/>
+              <a:t>approximated – Ariadne is slower</a:t>
             </a:r>
             <a:endParaRPr lang="en-US" dirty="0"/>
           </a:p>
@@ -5491,7 +6005,7 @@
           <p:nvPr/>
         </p:nvPicPr>
         <p:blipFill>
-          <a:blip r:embed="rId2"/>
+          <a:blip r:embed="rId3"/>
           <a:stretch>
             <a:fillRect/>
           </a:stretch>
@@ -5514,7 +6028,7 @@
         </p:nvSpPr>
         <p:spPr>
           <a:xfrm>
-            <a:off x="530481" y="2276030"/>
+            <a:off x="666172" y="1644506"/>
             <a:ext cx="4535054" cy="3139321"/>
           </a:xfrm>
           <a:prstGeom prst="rect">
@@ -5655,14 +6169,14 @@
           <p:nvPr/>
         </p:nvPicPr>
         <p:blipFill>
-          <a:blip r:embed="rId3"/>
+          <a:blip r:embed="rId4"/>
           <a:stretch>
             <a:fillRect/>
           </a:stretch>
         </p:blipFill>
         <p:spPr>
           <a:xfrm>
-            <a:off x="5236396" y="4000500"/>
+            <a:off x="5201226" y="4460830"/>
             <a:ext cx="2196356" cy="2136532"/>
           </a:xfrm>
           <a:prstGeom prst="rect">
@@ -5949,4 +6463,265 @@
     </a:ext>
   </a:extLst>
 </a:theme>
+</file>
+
+<file path=ppt/theme/theme2.xml><?xml version="1.0" encoding="utf-8"?>
+<a:theme xmlns:a="http://schemas.openxmlformats.org/drawingml/2006/main" name="Office Theme">
+  <a:themeElements>
+    <a:clrScheme name="Office">
+      <a:dk1>
+        <a:sysClr val="windowText" lastClr="000000"/>
+      </a:dk1>
+      <a:lt1>
+        <a:sysClr val="window" lastClr="FFFFFF"/>
+      </a:lt1>
+      <a:dk2>
+        <a:srgbClr val="44546A"/>
+      </a:dk2>
+      <a:lt2>
+        <a:srgbClr val="E7E6E6"/>
+      </a:lt2>
+      <a:accent1>
+        <a:srgbClr val="5B9BD5"/>
+      </a:accent1>
+      <a:accent2>
+        <a:srgbClr val="ED7D31"/>
+      </a:accent2>
+      <a:accent3>
+        <a:srgbClr val="A5A5A5"/>
+      </a:accent3>
+      <a:accent4>
+        <a:srgbClr val="FFC000"/>
+      </a:accent4>
+      <a:accent5>
+        <a:srgbClr val="4472C4"/>
+      </a:accent5>
+      <a:accent6>
+        <a:srgbClr val="70AD47"/>
+      </a:accent6>
+      <a:hlink>
+        <a:srgbClr val="0563C1"/>
+      </a:hlink>
+      <a:folHlink>
+        <a:srgbClr val="954F72"/>
+      </a:folHlink>
+    </a:clrScheme>
+    <a:fontScheme name="Office">
+      <a:majorFont>
+        <a:latin typeface="Calibri Light" panose="020F0302020204030204"/>
+        <a:ea typeface=""/>
+        <a:cs typeface=""/>
+        <a:font script="Jpan" typeface="游ゴシック Light"/>
+        <a:font script="Hang" typeface="맑은 고딕"/>
+        <a:font script="Hans" typeface="等线 Light"/>
+        <a:font script="Hant" typeface="新細明體"/>
+        <a:font script="Arab" typeface="Times New Roman"/>
+        <a:font script="Hebr" typeface="Times New Roman"/>
+        <a:font script="Thai" typeface="Angsana New"/>
+        <a:font script="Ethi" typeface="Nyala"/>
+        <a:font script="Beng" typeface="Vrinda"/>
+        <a:font script="Gujr" typeface="Shruti"/>
+        <a:font script="Khmr" typeface="MoolBoran"/>
+        <a:font script="Knda" typeface="Tunga"/>
+        <a:font script="Guru" typeface="Raavi"/>
+        <a:font script="Cans" typeface="Euphemia"/>
+        <a:font script="Cher" typeface="Plantagenet Cherokee"/>
+        <a:font script="Yiii" typeface="Microsoft Yi Baiti"/>
+        <a:font script="Tibt" typeface="Microsoft Himalaya"/>
+        <a:font script="Thaa" typeface="MV Boli"/>
+        <a:font script="Deva" typeface="Mangal"/>
+        <a:font script="Telu" typeface="Gautami"/>
+        <a:font script="Taml" typeface="Latha"/>
+        <a:font script="Syrc" typeface="Estrangelo Edessa"/>
+        <a:font script="Orya" typeface="Kalinga"/>
+        <a:font script="Mlym" typeface="Kartika"/>
+        <a:font script="Laoo" typeface="DokChampa"/>
+        <a:font script="Sinh" typeface="Iskoola Pota"/>
+        <a:font script="Mong" typeface="Mongolian Baiti"/>
+        <a:font script="Viet" typeface="Times New Roman"/>
+        <a:font script="Uigh" typeface="Microsoft Uighur"/>
+        <a:font script="Geor" typeface="Sylfaen"/>
+      </a:majorFont>
+      <a:minorFont>
+        <a:latin typeface="Calibri" panose="020F0502020204030204"/>
+        <a:ea typeface=""/>
+        <a:cs typeface=""/>
+        <a:font script="Jpan" typeface="游ゴシック"/>
+        <a:font script="Hang" typeface="맑은 고딕"/>
+        <a:font script="Hans" typeface="等线"/>
+        <a:font script="Hant" typeface="新細明體"/>
+        <a:font script="Arab" typeface="Arial"/>
+        <a:font script="Hebr" typeface="Arial"/>
+        <a:font script="Thai" typeface="Cordia New"/>
+        <a:font script="Ethi" typeface="Nyala"/>
+        <a:font script="Beng" typeface="Vrinda"/>
+        <a:font script="Gujr" typeface="Shruti"/>
+        <a:font script="Khmr" typeface="DaunPenh"/>
+        <a:font script="Knda" typeface="Tunga"/>
+        <a:font script="Guru" typeface="Raavi"/>
+        <a:font script="Cans" typeface="Euphemia"/>
+        <a:font script="Cher" typeface="Plantagenet Cherokee"/>
+        <a:font script="Yiii" typeface="Microsoft Yi Baiti"/>
+        <a:font script="Tibt" typeface="Microsoft Himalaya"/>
+        <a:font script="Thaa" typeface="MV Boli"/>
+        <a:font script="Deva" typeface="Mangal"/>
+        <a:font script="Telu" typeface="Gautami"/>
+        <a:font script="Taml" typeface="Latha"/>
+        <a:font script="Syrc" typeface="Estrangelo Edessa"/>
+        <a:font script="Orya" typeface="Kalinga"/>
+        <a:font script="Mlym" typeface="Kartika"/>
+        <a:font script="Laoo" typeface="DokChampa"/>
+        <a:font script="Sinh" typeface="Iskoola Pota"/>
+        <a:font script="Mong" typeface="Mongolian Baiti"/>
+        <a:font script="Viet" typeface="Arial"/>
+        <a:font script="Uigh" typeface="Microsoft Uighur"/>
+        <a:font script="Geor" typeface="Sylfaen"/>
+      </a:minorFont>
+    </a:fontScheme>
+    <a:fmtScheme name="Office">
+      <a:fillStyleLst>
+        <a:solidFill>
+          <a:schemeClr val="phClr"/>
+        </a:solidFill>
+        <a:gradFill rotWithShape="1">
+          <a:gsLst>
+            <a:gs pos="0">
+              <a:schemeClr val="phClr">
+                <a:lumMod val="110000"/>
+                <a:satMod val="105000"/>
+                <a:tint val="67000"/>
+              </a:schemeClr>
+            </a:gs>
+            <a:gs pos="50000">
+              <a:schemeClr val="phClr">
+                <a:lumMod val="105000"/>
+                <a:satMod val="103000"/>
+                <a:tint val="73000"/>
+              </a:schemeClr>
+            </a:gs>
+            <a:gs pos="100000">
+              <a:schemeClr val="phClr">
+                <a:lumMod val="105000"/>
+                <a:satMod val="109000"/>
+                <a:tint val="81000"/>
+              </a:schemeClr>
+            </a:gs>
+          </a:gsLst>
+          <a:lin ang="5400000" scaled="0"/>
+        </a:gradFill>
+        <a:gradFill rotWithShape="1">
+          <a:gsLst>
+            <a:gs pos="0">
+              <a:schemeClr val="phClr">
+                <a:satMod val="103000"/>
+                <a:lumMod val="102000"/>
+                <a:tint val="94000"/>
+              </a:schemeClr>
+            </a:gs>
+            <a:gs pos="50000">
+              <a:schemeClr val="phClr">
+                <a:satMod val="110000"/>
+                <a:lumMod val="100000"/>
+                <a:shade val="100000"/>
+              </a:schemeClr>
+            </a:gs>
+            <a:gs pos="100000">
+              <a:schemeClr val="phClr">
+                <a:lumMod val="99000"/>
+                <a:satMod val="120000"/>
+                <a:shade val="78000"/>
+              </a:schemeClr>
+            </a:gs>
+          </a:gsLst>
+          <a:lin ang="5400000" scaled="0"/>
+        </a:gradFill>
+      </a:fillStyleLst>
+      <a:lnStyleLst>
+        <a:ln w="6350" cap="flat" cmpd="sng" algn="ctr">
+          <a:solidFill>
+            <a:schemeClr val="phClr"/>
+          </a:solidFill>
+          <a:prstDash val="solid"/>
+          <a:miter lim="800000"/>
+        </a:ln>
+        <a:ln w="12700" cap="flat" cmpd="sng" algn="ctr">
+          <a:solidFill>
+            <a:schemeClr val="phClr"/>
+          </a:solidFill>
+          <a:prstDash val="solid"/>
+          <a:miter lim="800000"/>
+        </a:ln>
+        <a:ln w="19050" cap="flat" cmpd="sng" algn="ctr">
+          <a:solidFill>
+            <a:schemeClr val="phClr"/>
+          </a:solidFill>
+          <a:prstDash val="solid"/>
+          <a:miter lim="800000"/>
+        </a:ln>
+      </a:lnStyleLst>
+      <a:effectStyleLst>
+        <a:effectStyle>
+          <a:effectLst/>
+        </a:effectStyle>
+        <a:effectStyle>
+          <a:effectLst/>
+        </a:effectStyle>
+        <a:effectStyle>
+          <a:effectLst>
+            <a:outerShdw blurRad="57150" dist="19050" dir="5400000" algn="ctr" rotWithShape="0">
+              <a:srgbClr val="000000">
+                <a:alpha val="63000"/>
+              </a:srgbClr>
+            </a:outerShdw>
+          </a:effectLst>
+        </a:effectStyle>
+      </a:effectStyleLst>
+      <a:bgFillStyleLst>
+        <a:solidFill>
+          <a:schemeClr val="phClr"/>
+        </a:solidFill>
+        <a:solidFill>
+          <a:schemeClr val="phClr">
+            <a:tint val="95000"/>
+            <a:satMod val="170000"/>
+          </a:schemeClr>
+        </a:solidFill>
+        <a:gradFill rotWithShape="1">
+          <a:gsLst>
+            <a:gs pos="0">
+              <a:schemeClr val="phClr">
+                <a:tint val="93000"/>
+                <a:satMod val="150000"/>
+                <a:shade val="98000"/>
+                <a:lumMod val="102000"/>
+              </a:schemeClr>
+            </a:gs>
+            <a:gs pos="50000">
+              <a:schemeClr val="phClr">
+                <a:tint val="98000"/>
+                <a:satMod val="130000"/>
+                <a:shade val="90000"/>
+                <a:lumMod val="103000"/>
+              </a:schemeClr>
+            </a:gs>
+            <a:gs pos="100000">
+              <a:schemeClr val="phClr">
+                <a:shade val="63000"/>
+                <a:satMod val="120000"/>
+              </a:schemeClr>
+            </a:gs>
+          </a:gsLst>
+          <a:lin ang="5400000" scaled="0"/>
+        </a:gradFill>
+      </a:bgFillStyleLst>
+    </a:fmtScheme>
+  </a:themeElements>
+  <a:objectDefaults/>
+  <a:extraClrSchemeLst/>
+  <a:extLst>
+    <a:ext uri="{05A4C25C-085E-4340-85A3-A5531E510DB2}">
+      <thm15:themeFamily xmlns:thm15="http://schemas.microsoft.com/office/thememl/2012/main" name="Office Theme" id="{62F939B6-93AF-4DB8-9C6B-D6C7DFDC589F}" vid="{4A3C46E8-61CC-4603-A589-7422A47A8E4A}"/>
+    </a:ext>
+  </a:extLst>
+</a:theme>
 </file>
--- a/RDFsim/presentationStaff/RDFsim.pptx
+++ b/RDFsim/presentationStaff/RDFsim.pptx
@@ -3465,12 +3465,12 @@
         <p:spPr>
           <a:xfrm>
             <a:off x="1453662" y="4598436"/>
-            <a:ext cx="9144000" cy="701592"/>
+            <a:ext cx="9144000" cy="624195"/>
           </a:xfrm>
         </p:spPr>
         <p:txBody>
           <a:bodyPr>
-            <a:normAutofit fontScale="85000" lnSpcReduction="20000"/>
+            <a:normAutofit fontScale="77500" lnSpcReduction="20000"/>
           </a:bodyPr>
           <a:lstStyle/>
           <a:p>
@@ -3529,7 +3529,11 @@
             </a:r>
             <a:r>
               <a:rPr lang="en-US" dirty="0" smtClean="0"/>
-              <a:t>(mountant@ics.forth.gr)</a:t>
+              <a:t> (</a:t>
+            </a:r>
+            <a:r>
+              <a:rPr lang="en-US" dirty="0" smtClean="0"/>
+              <a:t>mountant@ics.forth.gr)</a:t>
             </a:r>
             <a:endParaRPr lang="en-US" dirty="0"/>
           </a:p>
@@ -3553,36 +3557,6 @@
           <a:xfrm>
             <a:off x="3329143" y="1966867"/>
             <a:ext cx="5393038" cy="2299531"/>
-          </a:xfrm>
-          <a:prstGeom prst="rect">
-            <a:avLst/>
-          </a:prstGeom>
-        </p:spPr>
-      </p:pic>
-      <p:pic>
-        <p:nvPicPr>
-          <p:cNvPr id="5" name="Picture 4"/>
-          <p:cNvPicPr>
-            <a:picLocks noChangeAspect="1"/>
-          </p:cNvPicPr>
-          <p:nvPr/>
-        </p:nvPicPr>
-        <p:blipFill>
-          <a:blip r:embed="rId3">
-            <a:extLst>
-              <a:ext uri="{28A0092B-C50C-407E-A947-70E740481C1C}">
-                <a14:useLocalDpi xmlns:a14="http://schemas.microsoft.com/office/drawing/2010/main" val="0"/>
-              </a:ext>
-            </a:extLst>
-          </a:blip>
-          <a:stretch>
-            <a:fillRect/>
-          </a:stretch>
-        </p:blipFill>
-        <p:spPr>
-          <a:xfrm>
-            <a:off x="5674497" y="6085797"/>
-            <a:ext cx="702329" cy="484607"/>
           </a:xfrm>
           <a:prstGeom prst="rect">
             <a:avLst/>
@@ -3734,11 +3708,7 @@
           <a:p>
             <a:r>
               <a:rPr lang="en-US" sz="2400" dirty="0" smtClean="0"/>
-              <a:t>UI: Provides a very (very) basic user interface running on browser to host and test the above </a:t>
-            </a:r>
-            <a:r>
-              <a:rPr lang="en-US" sz="2400" dirty="0" smtClean="0"/>
-              <a:t>services</a:t>
+              <a:t>UI: Provides a very (very) basic user interface running on browser to host and test the above services</a:t>
             </a:r>
           </a:p>
           <a:p>
@@ -3749,7 +3719,6 @@
               <a:rPr lang="en-US" sz="2400" dirty="0" smtClean="0"/>
               <a:t>Current Technologies: Java (Servlets, DL4J API), HTML/CSS, JavaScript (jQuery)</a:t>
             </a:r>
-            <a:endParaRPr lang="en-US" sz="2400" dirty="0" smtClean="0"/>
           </a:p>
         </p:txBody>
       </p:sp>
@@ -5249,8 +5218,21 @@
                   <a:srgbClr val="FF0000"/>
                 </a:solidFill>
               </a:rPr>
-              <a:t>What else?</a:t>
-            </a:r>
+              <a:t>What else</a:t>
+            </a:r>
+            <a:r>
+              <a:rPr lang="en-US" sz="2400" dirty="0" smtClean="0">
+                <a:solidFill>
+                  <a:srgbClr val="FF0000"/>
+                </a:solidFill>
+              </a:rPr>
+              <a:t>? (triples, entities etc….)</a:t>
+            </a:r>
+            <a:endParaRPr lang="en-US" sz="2400" dirty="0" smtClean="0">
+              <a:solidFill>
+                <a:srgbClr val="FF0000"/>
+              </a:solidFill>
+            </a:endParaRPr>
           </a:p>
         </p:txBody>
       </p:sp>
@@ -5349,11 +5331,7 @@
             </a:r>
             <a:r>
               <a:rPr lang="en-US" sz="1800" dirty="0" smtClean="0"/>
-              <a:t>(Undirected weighted </a:t>
-            </a:r>
-            <a:r>
-              <a:rPr lang="en-US" sz="1800" dirty="0" smtClean="0"/>
-              <a:t>graph)</a:t>
+              <a:t>(Undirected weighted graph)</a:t>
             </a:r>
             <a:r>
               <a:rPr lang="el-GR" sz="1800" dirty="0" smtClean="0"/>
@@ -5361,11 +5339,7 @@
             </a:r>
             <a:r>
               <a:rPr lang="en-US" sz="1800" dirty="0" smtClean="0"/>
-              <a:t>Nodes</a:t>
-            </a:r>
-            <a:r>
-              <a:rPr lang="en-US" sz="1800" dirty="0" smtClean="0"/>
-              <a:t>:=Entities Edges:=Weight</a:t>
+              <a:t>Nodes:=Entities Edges:=Weight</a:t>
             </a:r>
             <a:r>
               <a:rPr lang="el-GR" sz="1800" dirty="0" smtClean="0"/>
@@ -5382,11 +5356,7 @@
             </a:pPr>
             <a:r>
               <a:rPr lang="en-US" sz="1800" dirty="0" smtClean="0"/>
-              <a:t>Pros: Provides a fast view about the similarity set of a small part of the </a:t>
-            </a:r>
-            <a:r>
-              <a:rPr lang="en-US" sz="1800" dirty="0" smtClean="0"/>
-              <a:t>dataset</a:t>
+              <a:t>Pros: Provides a fast view about the similarity set of a small part of the dataset</a:t>
             </a:r>
             <a:r>
               <a:rPr lang="el-GR" sz="1800" dirty="0"/>
@@ -5394,15 +5364,7 @@
             </a:r>
             <a:r>
               <a:rPr lang="en-US" sz="1800" dirty="0" smtClean="0"/>
-              <a:t>Cons</a:t>
-            </a:r>
-            <a:r>
-              <a:rPr lang="en-US" sz="1800" dirty="0" smtClean="0"/>
-              <a:t>: It’s not that informative as an RDF Graph (links are the cosine similarity, not </a:t>
-            </a:r>
-            <a:r>
-              <a:rPr lang="en-US" sz="1800" dirty="0" smtClean="0"/>
-              <a:t>predicates)</a:t>
+              <a:t>Cons: It’s not that informative as an RDF Graph (links are the cosine similarity, not predicates)</a:t>
             </a:r>
             <a:endParaRPr lang="el-GR" sz="1800" dirty="0" smtClean="0"/>
           </a:p>
@@ -5414,7 +5376,6 @@
               <a:rPr lang="en-US" sz="1800" dirty="0" smtClean="0"/>
               <a:t>Algorithm: Use a BFS-like algorithm to create the graph based on the levels (depth)</a:t>
             </a:r>
-            <a:endParaRPr lang="en-US" sz="1800" dirty="0" smtClean="0"/>
           </a:p>
         </p:txBody>
       </p:sp>
@@ -5434,7 +5395,7 @@
         </p:blipFill>
         <p:spPr>
           <a:xfrm>
-            <a:off x="4139509" y="3552093"/>
+            <a:off x="4139509" y="3200400"/>
             <a:ext cx="3912982" cy="3188104"/>
           </a:xfrm>
           <a:prstGeom prst="rect">
@@ -5917,11 +5878,7 @@
           <a:p>
             <a:r>
               <a:rPr lang="en-US" dirty="0" smtClean="0"/>
-              <a:t>The values are </a:t>
-            </a:r>
-            <a:r>
-              <a:rPr lang="en-US" dirty="0" smtClean="0"/>
-              <a:t>approximated – Ariadne is slower</a:t>
+              <a:t>The values are approximated – Ariadne is slower</a:t>
             </a:r>
             <a:endParaRPr lang="en-US" dirty="0"/>
           </a:p>
@@ -6176,8 +6133,8 @@
         </p:blipFill>
         <p:spPr>
           <a:xfrm>
-            <a:off x="5201226" y="4460830"/>
-            <a:ext cx="2196356" cy="2136532"/>
+            <a:off x="5201226" y="4475285"/>
+            <a:ext cx="2196356" cy="2122077"/>
           </a:xfrm>
           <a:prstGeom prst="rect">
             <a:avLst/>

--- a/RDFsim/presentationStaff/RDFsim.pptx
+++ b/RDFsim/presentationStaff/RDFsim.pptx
@@ -205,7 +205,7 @@
           <a:p>
             <a:fld id="{6232EF2E-3540-4F7B-AEE0-495F6B45563B}" type="datetimeFigureOut">
               <a:rPr lang="en-US" smtClean="0"/>
-              <a:t>7/10/2021</a:t>
+              <a:t>7/11/2021</a:t>
             </a:fld>
             <a:endParaRPr lang="en-US"/>
           </a:p>
@@ -688,7 +688,7 @@
           <a:p>
             <a:fld id="{6A20DCB1-D8BE-42DC-82DC-65D6D7688481}" type="datetimeFigureOut">
               <a:rPr lang="en-US" smtClean="0"/>
-              <a:t>7/10/2021</a:t>
+              <a:t>7/11/2021</a:t>
             </a:fld>
             <a:endParaRPr lang="en-US"/>
           </a:p>
@@ -858,7 +858,7 @@
           <a:p>
             <a:fld id="{6A20DCB1-D8BE-42DC-82DC-65D6D7688481}" type="datetimeFigureOut">
               <a:rPr lang="en-US" smtClean="0"/>
-              <a:t>7/10/2021</a:t>
+              <a:t>7/11/2021</a:t>
             </a:fld>
             <a:endParaRPr lang="en-US"/>
           </a:p>
@@ -1038,7 +1038,7 @@
           <a:p>
             <a:fld id="{6A20DCB1-D8BE-42DC-82DC-65D6D7688481}" type="datetimeFigureOut">
               <a:rPr lang="en-US" smtClean="0"/>
-              <a:t>7/10/2021</a:t>
+              <a:t>7/11/2021</a:t>
             </a:fld>
             <a:endParaRPr lang="en-US"/>
           </a:p>
@@ -1208,7 +1208,7 @@
           <a:p>
             <a:fld id="{6A20DCB1-D8BE-42DC-82DC-65D6D7688481}" type="datetimeFigureOut">
               <a:rPr lang="en-US" smtClean="0"/>
-              <a:t>7/10/2021</a:t>
+              <a:t>7/11/2021</a:t>
             </a:fld>
             <a:endParaRPr lang="en-US"/>
           </a:p>
@@ -1454,7 +1454,7 @@
           <a:p>
             <a:fld id="{6A20DCB1-D8BE-42DC-82DC-65D6D7688481}" type="datetimeFigureOut">
               <a:rPr lang="en-US" smtClean="0"/>
-              <a:t>7/10/2021</a:t>
+              <a:t>7/11/2021</a:t>
             </a:fld>
             <a:endParaRPr lang="en-US"/>
           </a:p>
@@ -1686,7 +1686,7 @@
           <a:p>
             <a:fld id="{6A20DCB1-D8BE-42DC-82DC-65D6D7688481}" type="datetimeFigureOut">
               <a:rPr lang="en-US" smtClean="0"/>
-              <a:t>7/10/2021</a:t>
+              <a:t>7/11/2021</a:t>
             </a:fld>
             <a:endParaRPr lang="en-US"/>
           </a:p>
@@ -2053,7 +2053,7 @@
           <a:p>
             <a:fld id="{6A20DCB1-D8BE-42DC-82DC-65D6D7688481}" type="datetimeFigureOut">
               <a:rPr lang="en-US" smtClean="0"/>
-              <a:t>7/10/2021</a:t>
+              <a:t>7/11/2021</a:t>
             </a:fld>
             <a:endParaRPr lang="en-US"/>
           </a:p>
@@ -2171,7 +2171,7 @@
           <a:p>
             <a:fld id="{6A20DCB1-D8BE-42DC-82DC-65D6D7688481}" type="datetimeFigureOut">
               <a:rPr lang="en-US" smtClean="0"/>
-              <a:t>7/10/2021</a:t>
+              <a:t>7/11/2021</a:t>
             </a:fld>
             <a:endParaRPr lang="en-US"/>
           </a:p>
@@ -2266,7 +2266,7 @@
           <a:p>
             <a:fld id="{6A20DCB1-D8BE-42DC-82DC-65D6D7688481}" type="datetimeFigureOut">
               <a:rPr lang="en-US" smtClean="0"/>
-              <a:t>7/10/2021</a:t>
+              <a:t>7/11/2021</a:t>
             </a:fld>
             <a:endParaRPr lang="en-US"/>
           </a:p>
@@ -2543,7 +2543,7 @@
           <a:p>
             <a:fld id="{6A20DCB1-D8BE-42DC-82DC-65D6D7688481}" type="datetimeFigureOut">
               <a:rPr lang="en-US" smtClean="0"/>
-              <a:t>7/10/2021</a:t>
+              <a:t>7/11/2021</a:t>
             </a:fld>
             <a:endParaRPr lang="en-US"/>
           </a:p>
@@ -2796,7 +2796,7 @@
           <a:p>
             <a:fld id="{6A20DCB1-D8BE-42DC-82DC-65D6D7688481}" type="datetimeFigureOut">
               <a:rPr lang="en-US" smtClean="0"/>
-              <a:t>7/10/2021</a:t>
+              <a:t>7/11/2021</a:t>
             </a:fld>
             <a:endParaRPr lang="en-US"/>
           </a:p>
@@ -3009,7 +3009,7 @@
           <a:p>
             <a:fld id="{6A20DCB1-D8BE-42DC-82DC-65D6D7688481}" type="datetimeFigureOut">
               <a:rPr lang="en-US" smtClean="0"/>
-              <a:t>7/10/2021</a:t>
+              <a:t>7/11/2021</a:t>
             </a:fld>
             <a:endParaRPr lang="en-US"/>
           </a:p>
@@ -3529,11 +3529,7 @@
             </a:r>
             <a:r>
               <a:rPr lang="en-US" dirty="0" smtClean="0"/>
-              <a:t> (</a:t>
-            </a:r>
-            <a:r>
-              <a:rPr lang="en-US" dirty="0" smtClean="0"/>
-              <a:t>mountant@ics.forth.gr)</a:t>
+              <a:t> (mountant@ics.forth.gr)</a:t>
             </a:r>
             <a:endParaRPr lang="en-US" dirty="0"/>
           </a:p>
@@ -5218,21 +5214,8 @@
                   <a:srgbClr val="FF0000"/>
                 </a:solidFill>
               </a:rPr>
-              <a:t>What else</a:t>
-            </a:r>
-            <a:r>
-              <a:rPr lang="en-US" sz="2400" dirty="0" smtClean="0">
-                <a:solidFill>
-                  <a:srgbClr val="FF0000"/>
-                </a:solidFill>
-              </a:rPr>
-              <a:t>? (triples, entities etc….)</a:t>
-            </a:r>
-            <a:endParaRPr lang="en-US" sz="2400" dirty="0" smtClean="0">
-              <a:solidFill>
-                <a:srgbClr val="FF0000"/>
-              </a:solidFill>
-            </a:endParaRPr>
+              <a:t>What else? (triples, entities etc….)</a:t>
+            </a:r>
           </a:p>
         </p:txBody>
       </p:sp>
@@ -5283,7 +5266,12 @@
             <p:ph type="title"/>
           </p:nvPr>
         </p:nvSpPr>
-        <p:spPr/>
+        <p:spPr>
+          <a:xfrm>
+            <a:off x="838200" y="365125"/>
+            <a:ext cx="10515600" cy="1243867"/>
+          </a:xfrm>
+        </p:spPr>
         <p:txBody>
           <a:bodyPr/>
           <a:lstStyle/>
@@ -5473,7 +5461,7 @@
             <p:ph idx="1"/>
             <p:extLst>
               <p:ext uri="{D42A27DB-BD31-4B8C-83A1-F6EECF244321}">
-                <p14:modId xmlns:p14="http://schemas.microsoft.com/office/powerpoint/2010/main" val="1033188551"/>
+                <p14:modId xmlns:p14="http://schemas.microsoft.com/office/powerpoint/2010/main" val="4007022196"/>
               </p:ext>
             </p:extLst>
           </p:nvPr>
@@ -5757,6 +5745,10 @@
                     <a:lstStyle/>
                     <a:p>
                       <a:pPr algn="ctr"/>
+                      <a:r>
+                        <a:rPr lang="en-US" dirty="0" err="1" smtClean="0"/>
+                        <a:t>Todo</a:t>
+                      </a:r>
                       <a:endParaRPr lang="en-US" dirty="0"/>
                     </a:p>
                   </a:txBody>
@@ -5805,6 +5797,10 @@
                     <a:lstStyle/>
                     <a:p>
                       <a:pPr algn="ctr"/>
+                      <a:r>
+                        <a:rPr lang="en-US" dirty="0" err="1" smtClean="0"/>
+                        <a:t>Todo</a:t>
+                      </a:r>
                       <a:endParaRPr lang="en-US" dirty="0"/>
                     </a:p>
                   </a:txBody>
@@ -6133,8 +6129,8 @@
         </p:blipFill>
         <p:spPr>
           <a:xfrm>
-            <a:off x="5201226" y="4475285"/>
-            <a:ext cx="2196356" cy="2122077"/>
+            <a:off x="5379841" y="4237892"/>
+            <a:ext cx="2114456" cy="2042947"/>
           </a:xfrm>
           <a:prstGeom prst="rect">
             <a:avLst/>

--- a/RDFsim/presentationStaff/RDFsim.pptx
+++ b/RDFsim/presentationStaff/RDFsim.pptx
@@ -3767,7 +3767,7 @@
         </p:nvSpPr>
         <p:spPr>
           <a:xfrm>
-            <a:off x="838200" y="365126"/>
+            <a:off x="853586" y="619152"/>
             <a:ext cx="10515600" cy="982044"/>
           </a:xfrm>
         </p:spPr>
@@ -5965,7 +5965,7 @@
         </p:blipFill>
         <p:spPr>
           <a:xfrm>
-            <a:off x="5816663" y="175491"/>
+            <a:off x="5816663" y="155826"/>
             <a:ext cx="6035323" cy="6525848"/>
           </a:xfrm>
           <a:prstGeom prst="rect">
@@ -5982,7 +5982,7 @@
         <p:spPr>
           <a:xfrm>
             <a:off x="666172" y="1644506"/>
-            <a:ext cx="4535054" cy="3139321"/>
+            <a:ext cx="4535054" cy="3693319"/>
           </a:xfrm>
           <a:prstGeom prst="rect">
             <a:avLst/>
@@ -6075,8 +6075,41 @@
                   <a:srgbClr val="FF0000"/>
                 </a:solidFill>
               </a:rPr>
-              <a:t>(…)Keep triples</a:t>
-            </a:r>
+              <a:t>(…)Keep </a:t>
+            </a:r>
+            <a:r>
+              <a:rPr lang="en-US" dirty="0" smtClean="0">
+                <a:solidFill>
+                  <a:srgbClr val="FF0000"/>
+                </a:solidFill>
+              </a:rPr>
+              <a:t>triples</a:t>
+            </a:r>
+            <a:r>
+              <a:rPr lang="en-US" dirty="0" smtClean="0"/>
+              <a:t> (also really slow to keep them as objects </a:t>
+            </a:r>
+            <a:r>
+              <a:rPr lang="en-US" dirty="0" err="1" smtClean="0"/>
+              <a:t>eg</a:t>
+            </a:r>
+            <a:r>
+              <a:rPr lang="en-US" dirty="0" smtClean="0"/>
+              <a:t>. </a:t>
+            </a:r>
+            <a:r>
+              <a:rPr lang="en-US" dirty="0" err="1" smtClean="0"/>
+              <a:t>Oo+lists</a:t>
+            </a:r>
+            <a:r>
+              <a:rPr lang="en-US" dirty="0" smtClean="0"/>
+              <a:t>)</a:t>
+            </a:r>
+            <a:endParaRPr lang="en-US" dirty="0" smtClean="0">
+              <a:solidFill>
+                <a:srgbClr val="FF0000"/>
+              </a:solidFill>
+            </a:endParaRPr>
           </a:p>
           <a:p>
             <a:pPr marL="742950" lvl="1" indent="-285750">
@@ -6103,9 +6136,25 @@
                   <a:srgbClr val="FF0000"/>
                 </a:solidFill>
               </a:rPr>
-              <a:t>We could retrieve this data with new queries at front when need them (?)</a:t>
+              <a:t>We could retrieve this data with new queries at front when need them </a:t>
+            </a:r>
+            <a:r>
+              <a:rPr lang="en-US" dirty="0" smtClean="0">
+                <a:solidFill>
+                  <a:srgbClr val="FF0000"/>
+                </a:solidFill>
+              </a:rPr>
+              <a:t>(?)</a:t>
             </a:r>
             <a:endParaRPr lang="en-US" dirty="0">
+              <a:solidFill>
+                <a:srgbClr val="FF0000"/>
+              </a:solidFill>
+            </a:endParaRPr>
+          </a:p>
+          <a:p>
+            <a:pPr lvl="1"/>
+            <a:endParaRPr lang="en-US" dirty="0" smtClean="0">
               <a:solidFill>
                 <a:srgbClr val="FF0000"/>
               </a:solidFill>

--- a/RDFsim/presentationStaff/RDFsim.pptx
+++ b/RDFsim/presentationStaff/RDFsim.pptx
@@ -205,7 +205,7 @@
           <a:p>
             <a:fld id="{6232EF2E-3540-4F7B-AEE0-495F6B45563B}" type="datetimeFigureOut">
               <a:rPr lang="en-US" smtClean="0"/>
-              <a:t>7/11/2021</a:t>
+              <a:t>7/12/2021</a:t>
             </a:fld>
             <a:endParaRPr lang="en-US"/>
           </a:p>
@@ -688,7 +688,7 @@
           <a:p>
             <a:fld id="{6A20DCB1-D8BE-42DC-82DC-65D6D7688481}" type="datetimeFigureOut">
               <a:rPr lang="en-US" smtClean="0"/>
-              <a:t>7/11/2021</a:t>
+              <a:t>7/12/2021</a:t>
             </a:fld>
             <a:endParaRPr lang="en-US"/>
           </a:p>
@@ -858,7 +858,7 @@
           <a:p>
             <a:fld id="{6A20DCB1-D8BE-42DC-82DC-65D6D7688481}" type="datetimeFigureOut">
               <a:rPr lang="en-US" smtClean="0"/>
-              <a:t>7/11/2021</a:t>
+              <a:t>7/12/2021</a:t>
             </a:fld>
             <a:endParaRPr lang="en-US"/>
           </a:p>
@@ -1038,7 +1038,7 @@
           <a:p>
             <a:fld id="{6A20DCB1-D8BE-42DC-82DC-65D6D7688481}" type="datetimeFigureOut">
               <a:rPr lang="en-US" smtClean="0"/>
-              <a:t>7/11/2021</a:t>
+              <a:t>7/12/2021</a:t>
             </a:fld>
             <a:endParaRPr lang="en-US"/>
           </a:p>
@@ -1208,7 +1208,7 @@
           <a:p>
             <a:fld id="{6A20DCB1-D8BE-42DC-82DC-65D6D7688481}" type="datetimeFigureOut">
               <a:rPr lang="en-US" smtClean="0"/>
-              <a:t>7/11/2021</a:t>
+              <a:t>7/12/2021</a:t>
             </a:fld>
             <a:endParaRPr lang="en-US"/>
           </a:p>
@@ -1454,7 +1454,7 @@
           <a:p>
             <a:fld id="{6A20DCB1-D8BE-42DC-82DC-65D6D7688481}" type="datetimeFigureOut">
               <a:rPr lang="en-US" smtClean="0"/>
-              <a:t>7/11/2021</a:t>
+              <a:t>7/12/2021</a:t>
             </a:fld>
             <a:endParaRPr lang="en-US"/>
           </a:p>
@@ -1686,7 +1686,7 @@
           <a:p>
             <a:fld id="{6A20DCB1-D8BE-42DC-82DC-65D6D7688481}" type="datetimeFigureOut">
               <a:rPr lang="en-US" smtClean="0"/>
-              <a:t>7/11/2021</a:t>
+              <a:t>7/12/2021</a:t>
             </a:fld>
             <a:endParaRPr lang="en-US"/>
           </a:p>
@@ -2053,7 +2053,7 @@
           <a:p>
             <a:fld id="{6A20DCB1-D8BE-42DC-82DC-65D6D7688481}" type="datetimeFigureOut">
               <a:rPr lang="en-US" smtClean="0"/>
-              <a:t>7/11/2021</a:t>
+              <a:t>7/12/2021</a:t>
             </a:fld>
             <a:endParaRPr lang="en-US"/>
           </a:p>
@@ -2171,7 +2171,7 @@
           <a:p>
             <a:fld id="{6A20DCB1-D8BE-42DC-82DC-65D6D7688481}" type="datetimeFigureOut">
               <a:rPr lang="en-US" smtClean="0"/>
-              <a:t>7/11/2021</a:t>
+              <a:t>7/12/2021</a:t>
             </a:fld>
             <a:endParaRPr lang="en-US"/>
           </a:p>
@@ -2266,7 +2266,7 @@
           <a:p>
             <a:fld id="{6A20DCB1-D8BE-42DC-82DC-65D6D7688481}" type="datetimeFigureOut">
               <a:rPr lang="en-US" smtClean="0"/>
-              <a:t>7/11/2021</a:t>
+              <a:t>7/12/2021</a:t>
             </a:fld>
             <a:endParaRPr lang="en-US"/>
           </a:p>
@@ -2543,7 +2543,7 @@
           <a:p>
             <a:fld id="{6A20DCB1-D8BE-42DC-82DC-65D6D7688481}" type="datetimeFigureOut">
               <a:rPr lang="en-US" smtClean="0"/>
-              <a:t>7/11/2021</a:t>
+              <a:t>7/12/2021</a:t>
             </a:fld>
             <a:endParaRPr lang="en-US"/>
           </a:p>
@@ -2796,7 +2796,7 @@
           <a:p>
             <a:fld id="{6A20DCB1-D8BE-42DC-82DC-65D6D7688481}" type="datetimeFigureOut">
               <a:rPr lang="en-US" smtClean="0"/>
-              <a:t>7/11/2021</a:t>
+              <a:t>7/12/2021</a:t>
             </a:fld>
             <a:endParaRPr lang="en-US"/>
           </a:p>
@@ -3009,7 +3009,7 @@
           <a:p>
             <a:fld id="{6A20DCB1-D8BE-42DC-82DC-65D6D7688481}" type="datetimeFigureOut">
               <a:rPr lang="en-US" smtClean="0"/>
-              <a:t>7/11/2021</a:t>
+              <a:t>7/12/2021</a:t>
             </a:fld>
             <a:endParaRPr lang="en-US"/>
           </a:p>
@@ -6075,15 +6075,7 @@
                   <a:srgbClr val="FF0000"/>
                 </a:solidFill>
               </a:rPr>
-              <a:t>(…)Keep </a:t>
-            </a:r>
-            <a:r>
-              <a:rPr lang="en-US" dirty="0" smtClean="0">
-                <a:solidFill>
-                  <a:srgbClr val="FF0000"/>
-                </a:solidFill>
-              </a:rPr>
-              <a:t>triples</a:t>
+              <a:t>(…)Keep triples</a:t>
             </a:r>
             <a:r>
               <a:rPr lang="en-US" dirty="0" smtClean="0"/>
@@ -6136,15 +6128,7 @@
                   <a:srgbClr val="FF0000"/>
                 </a:solidFill>
               </a:rPr>
-              <a:t>We could retrieve this data with new queries at front when need them </a:t>
-            </a:r>
-            <a:r>
-              <a:rPr lang="en-US" dirty="0" smtClean="0">
-                <a:solidFill>
-                  <a:srgbClr val="FF0000"/>
-                </a:solidFill>
-              </a:rPr>
-              <a:t>(?)</a:t>
+              <a:t>We could retrieve this data with new queries at front when need them (?)</a:t>
             </a:r>
             <a:endParaRPr lang="en-US" dirty="0">
               <a:solidFill>
